--- a/help/img/画像作成用.pptx
+++ b/help/img/画像作成用.pptx
@@ -199,7 +199,7 @@
           <a:p>
             <a:fld id="{685A68BC-8F81-4B0D-92FD-71EB7813FF7D}" type="datetimeFigureOut">
               <a:rPr kumimoji="1" lang="ja-JP" altLang="en-US" smtClean="0"/>
-              <a:t>2025/8/8</a:t>
+              <a:t>2025/8/11</a:t>
             </a:fld>
             <a:endParaRPr kumimoji="1" lang="ja-JP" altLang="en-US"/>
           </a:p>
@@ -729,7 +729,7 @@
           <a:p>
             <a:fld id="{267EFEEF-E18A-4475-85ED-60EC09292CB4}" type="datetimeFigureOut">
               <a:rPr kumimoji="1" lang="ja-JP" altLang="en-US" smtClean="0"/>
-              <a:t>2025/8/8</a:t>
+              <a:t>2025/8/11</a:t>
             </a:fld>
             <a:endParaRPr kumimoji="1" lang="ja-JP" altLang="en-US"/>
           </a:p>
@@ -959,7 +959,7 @@
           <a:p>
             <a:fld id="{267EFEEF-E18A-4475-85ED-60EC09292CB4}" type="datetimeFigureOut">
               <a:rPr kumimoji="1" lang="ja-JP" altLang="en-US" smtClean="0"/>
-              <a:t>2025/8/8</a:t>
+              <a:t>2025/8/11</a:t>
             </a:fld>
             <a:endParaRPr kumimoji="1" lang="ja-JP" altLang="en-US"/>
           </a:p>
@@ -1199,7 +1199,7 @@
           <a:p>
             <a:fld id="{267EFEEF-E18A-4475-85ED-60EC09292CB4}" type="datetimeFigureOut">
               <a:rPr kumimoji="1" lang="ja-JP" altLang="en-US" smtClean="0"/>
-              <a:t>2025/8/8</a:t>
+              <a:t>2025/8/11</a:t>
             </a:fld>
             <a:endParaRPr kumimoji="1" lang="ja-JP" altLang="en-US"/>
           </a:p>
@@ -1429,7 +1429,7 @@
           <a:p>
             <a:fld id="{267EFEEF-E18A-4475-85ED-60EC09292CB4}" type="datetimeFigureOut">
               <a:rPr kumimoji="1" lang="ja-JP" altLang="en-US" smtClean="0"/>
-              <a:t>2025/8/8</a:t>
+              <a:t>2025/8/11</a:t>
             </a:fld>
             <a:endParaRPr kumimoji="1" lang="ja-JP" altLang="en-US"/>
           </a:p>
@@ -1704,7 +1704,7 @@
           <a:p>
             <a:fld id="{267EFEEF-E18A-4475-85ED-60EC09292CB4}" type="datetimeFigureOut">
               <a:rPr kumimoji="1" lang="ja-JP" altLang="en-US" smtClean="0"/>
-              <a:t>2025/8/8</a:t>
+              <a:t>2025/8/11</a:t>
             </a:fld>
             <a:endParaRPr kumimoji="1" lang="ja-JP" altLang="en-US"/>
           </a:p>
@@ -2033,7 +2033,7 @@
           <a:p>
             <a:fld id="{267EFEEF-E18A-4475-85ED-60EC09292CB4}" type="datetimeFigureOut">
               <a:rPr kumimoji="1" lang="ja-JP" altLang="en-US" smtClean="0"/>
-              <a:t>2025/8/8</a:t>
+              <a:t>2025/8/11</a:t>
             </a:fld>
             <a:endParaRPr kumimoji="1" lang="ja-JP" altLang="en-US"/>
           </a:p>
@@ -2509,7 +2509,7 @@
           <a:p>
             <a:fld id="{267EFEEF-E18A-4475-85ED-60EC09292CB4}" type="datetimeFigureOut">
               <a:rPr kumimoji="1" lang="ja-JP" altLang="en-US" smtClean="0"/>
-              <a:t>2025/8/8</a:t>
+              <a:t>2025/8/11</a:t>
             </a:fld>
             <a:endParaRPr kumimoji="1" lang="ja-JP" altLang="en-US"/>
           </a:p>
@@ -2650,7 +2650,7 @@
           <a:p>
             <a:fld id="{267EFEEF-E18A-4475-85ED-60EC09292CB4}" type="datetimeFigureOut">
               <a:rPr kumimoji="1" lang="ja-JP" altLang="en-US" smtClean="0"/>
-              <a:t>2025/8/8</a:t>
+              <a:t>2025/8/11</a:t>
             </a:fld>
             <a:endParaRPr kumimoji="1" lang="ja-JP" altLang="en-US"/>
           </a:p>
@@ -2763,7 +2763,7 @@
           <a:p>
             <a:fld id="{267EFEEF-E18A-4475-85ED-60EC09292CB4}" type="datetimeFigureOut">
               <a:rPr kumimoji="1" lang="ja-JP" altLang="en-US" smtClean="0"/>
-              <a:t>2025/8/8</a:t>
+              <a:t>2025/8/11</a:t>
             </a:fld>
             <a:endParaRPr kumimoji="1" lang="ja-JP" altLang="en-US"/>
           </a:p>
@@ -3106,7 +3106,7 @@
           <a:p>
             <a:fld id="{267EFEEF-E18A-4475-85ED-60EC09292CB4}" type="datetimeFigureOut">
               <a:rPr kumimoji="1" lang="ja-JP" altLang="en-US" smtClean="0"/>
-              <a:t>2025/8/8</a:t>
+              <a:t>2025/8/11</a:t>
             </a:fld>
             <a:endParaRPr kumimoji="1" lang="ja-JP" altLang="en-US"/>
           </a:p>
@@ -3394,7 +3394,7 @@
           <a:p>
             <a:fld id="{267EFEEF-E18A-4475-85ED-60EC09292CB4}" type="datetimeFigureOut">
               <a:rPr kumimoji="1" lang="ja-JP" altLang="en-US" smtClean="0"/>
-              <a:t>2025/8/8</a:t>
+              <a:t>2025/8/11</a:t>
             </a:fld>
             <a:endParaRPr kumimoji="1" lang="ja-JP" altLang="en-US"/>
           </a:p>
@@ -3667,7 +3667,7 @@
           <a:p>
             <a:fld id="{267EFEEF-E18A-4475-85ED-60EC09292CB4}" type="datetimeFigureOut">
               <a:rPr kumimoji="1" lang="ja-JP" altLang="en-US" smtClean="0"/>
-              <a:t>2025/8/8</a:t>
+              <a:t>2025/8/11</a:t>
             </a:fld>
             <a:endParaRPr kumimoji="1" lang="ja-JP" altLang="en-US"/>
           </a:p>
@@ -8816,7 +8816,7 @@
         </p:nvSpPr>
         <p:spPr>
           <a:xfrm>
-            <a:off x="1520513" y="4290378"/>
+            <a:off x="1038821" y="4290378"/>
             <a:ext cx="1392419" cy="843280"/>
           </a:xfrm>
           <a:prstGeom prst="roundRect">
@@ -8890,7 +8890,7 @@
         </p:nvSpPr>
         <p:spPr>
           <a:xfrm>
-            <a:off x="5908731" y="4276425"/>
+            <a:off x="5427039" y="4276425"/>
             <a:ext cx="1392419" cy="843280"/>
           </a:xfrm>
           <a:prstGeom prst="roundRect">
@@ -8956,8 +8956,8 @@
         </p:nvSpPr>
         <p:spPr>
           <a:xfrm>
-            <a:off x="7455875" y="4288013"/>
-            <a:ext cx="1540219" cy="389731"/>
+            <a:off x="6974184" y="4288013"/>
+            <a:ext cx="952988" cy="389731"/>
           </a:xfrm>
           <a:prstGeom prst="roundRect">
             <a:avLst/>
@@ -9021,8 +9021,8 @@
         </p:nvSpPr>
         <p:spPr>
           <a:xfrm>
-            <a:off x="7455874" y="4741562"/>
-            <a:ext cx="1540220" cy="389731"/>
+            <a:off x="6974182" y="4741562"/>
+            <a:ext cx="952989" cy="389731"/>
           </a:xfrm>
           <a:prstGeom prst="roundRect">
             <a:avLst/>
@@ -9086,7 +9086,7 @@
         </p:nvSpPr>
         <p:spPr>
           <a:xfrm>
-            <a:off x="3025871" y="4288012"/>
+            <a:off x="2544179" y="4288012"/>
             <a:ext cx="2728091" cy="389731"/>
           </a:xfrm>
           <a:prstGeom prst="roundRect">
@@ -9151,7 +9151,7 @@
         </p:nvSpPr>
         <p:spPr>
           <a:xfrm>
-            <a:off x="3025871" y="4746826"/>
+            <a:off x="2544179" y="4746826"/>
             <a:ext cx="2728091" cy="389731"/>
           </a:xfrm>
           <a:prstGeom prst="roundRect">
@@ -9209,6 +9209,72 @@
                 </a:solidFill>
               </a:rPr>
               <a:t>,…</a:t>
+            </a:r>
+            <a:endParaRPr kumimoji="1" lang="ja-JP" altLang="en-US" dirty="0">
+              <a:solidFill>
+                <a:schemeClr val="tx1"/>
+              </a:solidFill>
+            </a:endParaRPr>
+          </a:p>
+        </p:txBody>
+      </p:sp>
+      <p:sp>
+        <p:nvSpPr>
+          <p:cNvPr id="53" name="四角形: 角を丸くする 52">
+            <a:extLst>
+              <a:ext uri="{FF2B5EF4-FFF2-40B4-BE49-F238E27FC236}">
+                <a16:creationId xmlns:a16="http://schemas.microsoft.com/office/drawing/2014/main" id="{521DBD51-6920-42E2-9934-64E02CE40141}"/>
+              </a:ext>
+            </a:extLst>
+          </p:cNvPr>
+          <p:cNvSpPr/>
+          <p:nvPr/>
+        </p:nvSpPr>
+        <p:spPr>
+          <a:xfrm>
+            <a:off x="8071153" y="4276425"/>
+            <a:ext cx="963732" cy="843280"/>
+          </a:xfrm>
+          <a:prstGeom prst="roundRect">
+            <a:avLst/>
+          </a:prstGeom>
+          <a:solidFill>
+            <a:schemeClr val="bg1">
+              <a:lumMod val="95000"/>
+            </a:schemeClr>
+          </a:solidFill>
+          <a:ln>
+            <a:noFill/>
+          </a:ln>
+        </p:spPr>
+        <p:style>
+          <a:lnRef idx="2">
+            <a:schemeClr val="accent1">
+              <a:shade val="50000"/>
+            </a:schemeClr>
+          </a:lnRef>
+          <a:fillRef idx="1">
+            <a:schemeClr val="accent1"/>
+          </a:fillRef>
+          <a:effectRef idx="0">
+            <a:schemeClr val="accent1"/>
+          </a:effectRef>
+          <a:fontRef idx="minor">
+            <a:schemeClr val="lt1"/>
+          </a:fontRef>
+        </p:style>
+        <p:txBody>
+          <a:bodyPr rtlCol="0" anchor="ctr"/>
+          <a:lstStyle/>
+          <a:p>
+            <a:pPr algn="ctr"/>
+            <a:r>
+              <a:rPr kumimoji="1" lang="en-US" altLang="ja-JP">
+                <a:solidFill>
+                  <a:schemeClr val="tx1"/>
+                </a:solidFill>
+              </a:rPr>
+              <a:t>Vue3</a:t>
             </a:r>
             <a:endParaRPr kumimoji="1" lang="ja-JP" altLang="en-US" dirty="0">
               <a:solidFill>

--- a/help/img/画像作成用.pptx
+++ b/help/img/画像作成用.pptx
@@ -199,7 +199,7 @@
           <a:p>
             <a:fld id="{685A68BC-8F81-4B0D-92FD-71EB7813FF7D}" type="datetimeFigureOut">
               <a:rPr kumimoji="1" lang="ja-JP" altLang="en-US" smtClean="0"/>
-              <a:t>2025/8/11</a:t>
+              <a:t>2025/8/12</a:t>
             </a:fld>
             <a:endParaRPr kumimoji="1" lang="ja-JP" altLang="en-US"/>
           </a:p>
@@ -729,7 +729,7 @@
           <a:p>
             <a:fld id="{267EFEEF-E18A-4475-85ED-60EC09292CB4}" type="datetimeFigureOut">
               <a:rPr kumimoji="1" lang="ja-JP" altLang="en-US" smtClean="0"/>
-              <a:t>2025/8/11</a:t>
+              <a:t>2025/8/12</a:t>
             </a:fld>
             <a:endParaRPr kumimoji="1" lang="ja-JP" altLang="en-US"/>
           </a:p>
@@ -959,7 +959,7 @@
           <a:p>
             <a:fld id="{267EFEEF-E18A-4475-85ED-60EC09292CB4}" type="datetimeFigureOut">
               <a:rPr kumimoji="1" lang="ja-JP" altLang="en-US" smtClean="0"/>
-              <a:t>2025/8/11</a:t>
+              <a:t>2025/8/12</a:t>
             </a:fld>
             <a:endParaRPr kumimoji="1" lang="ja-JP" altLang="en-US"/>
           </a:p>
@@ -1199,7 +1199,7 @@
           <a:p>
             <a:fld id="{267EFEEF-E18A-4475-85ED-60EC09292CB4}" type="datetimeFigureOut">
               <a:rPr kumimoji="1" lang="ja-JP" altLang="en-US" smtClean="0"/>
-              <a:t>2025/8/11</a:t>
+              <a:t>2025/8/12</a:t>
             </a:fld>
             <a:endParaRPr kumimoji="1" lang="ja-JP" altLang="en-US"/>
           </a:p>
@@ -1429,7 +1429,7 @@
           <a:p>
             <a:fld id="{267EFEEF-E18A-4475-85ED-60EC09292CB4}" type="datetimeFigureOut">
               <a:rPr kumimoji="1" lang="ja-JP" altLang="en-US" smtClean="0"/>
-              <a:t>2025/8/11</a:t>
+              <a:t>2025/8/12</a:t>
             </a:fld>
             <a:endParaRPr kumimoji="1" lang="ja-JP" altLang="en-US"/>
           </a:p>
@@ -1704,7 +1704,7 @@
           <a:p>
             <a:fld id="{267EFEEF-E18A-4475-85ED-60EC09292CB4}" type="datetimeFigureOut">
               <a:rPr kumimoji="1" lang="ja-JP" altLang="en-US" smtClean="0"/>
-              <a:t>2025/8/11</a:t>
+              <a:t>2025/8/12</a:t>
             </a:fld>
             <a:endParaRPr kumimoji="1" lang="ja-JP" altLang="en-US"/>
           </a:p>
@@ -2033,7 +2033,7 @@
           <a:p>
             <a:fld id="{267EFEEF-E18A-4475-85ED-60EC09292CB4}" type="datetimeFigureOut">
               <a:rPr kumimoji="1" lang="ja-JP" altLang="en-US" smtClean="0"/>
-              <a:t>2025/8/11</a:t>
+              <a:t>2025/8/12</a:t>
             </a:fld>
             <a:endParaRPr kumimoji="1" lang="ja-JP" altLang="en-US"/>
           </a:p>
@@ -2509,7 +2509,7 @@
           <a:p>
             <a:fld id="{267EFEEF-E18A-4475-85ED-60EC09292CB4}" type="datetimeFigureOut">
               <a:rPr kumimoji="1" lang="ja-JP" altLang="en-US" smtClean="0"/>
-              <a:t>2025/8/11</a:t>
+              <a:t>2025/8/12</a:t>
             </a:fld>
             <a:endParaRPr kumimoji="1" lang="ja-JP" altLang="en-US"/>
           </a:p>
@@ -2650,7 +2650,7 @@
           <a:p>
             <a:fld id="{267EFEEF-E18A-4475-85ED-60EC09292CB4}" type="datetimeFigureOut">
               <a:rPr kumimoji="1" lang="ja-JP" altLang="en-US" smtClean="0"/>
-              <a:t>2025/8/11</a:t>
+              <a:t>2025/8/12</a:t>
             </a:fld>
             <a:endParaRPr kumimoji="1" lang="ja-JP" altLang="en-US"/>
           </a:p>
@@ -2763,7 +2763,7 @@
           <a:p>
             <a:fld id="{267EFEEF-E18A-4475-85ED-60EC09292CB4}" type="datetimeFigureOut">
               <a:rPr kumimoji="1" lang="ja-JP" altLang="en-US" smtClean="0"/>
-              <a:t>2025/8/11</a:t>
+              <a:t>2025/8/12</a:t>
             </a:fld>
             <a:endParaRPr kumimoji="1" lang="ja-JP" altLang="en-US"/>
           </a:p>
@@ -3106,7 +3106,7 @@
           <a:p>
             <a:fld id="{267EFEEF-E18A-4475-85ED-60EC09292CB4}" type="datetimeFigureOut">
               <a:rPr kumimoji="1" lang="ja-JP" altLang="en-US" smtClean="0"/>
-              <a:t>2025/8/11</a:t>
+              <a:t>2025/8/12</a:t>
             </a:fld>
             <a:endParaRPr kumimoji="1" lang="ja-JP" altLang="en-US"/>
           </a:p>
@@ -3394,7 +3394,7 @@
           <a:p>
             <a:fld id="{267EFEEF-E18A-4475-85ED-60EC09292CB4}" type="datetimeFigureOut">
               <a:rPr kumimoji="1" lang="ja-JP" altLang="en-US" smtClean="0"/>
-              <a:t>2025/8/11</a:t>
+              <a:t>2025/8/12</a:t>
             </a:fld>
             <a:endParaRPr kumimoji="1" lang="ja-JP" altLang="en-US"/>
           </a:p>
@@ -3667,7 +3667,7 @@
           <a:p>
             <a:fld id="{267EFEEF-E18A-4475-85ED-60EC09292CB4}" type="datetimeFigureOut">
               <a:rPr kumimoji="1" lang="ja-JP" altLang="en-US" smtClean="0"/>
-              <a:t>2025/8/11</a:t>
+              <a:t>2025/8/12</a:t>
             </a:fld>
             <a:endParaRPr kumimoji="1" lang="ja-JP" altLang="en-US"/>
           </a:p>
@@ -7936,8 +7936,8 @@
         </p:nvSpPr>
         <p:spPr>
           <a:xfrm>
-            <a:off x="2369579" y="3676810"/>
-            <a:ext cx="1625520" cy="260190"/>
+            <a:off x="2369579" y="3565049"/>
+            <a:ext cx="1625520" cy="371951"/>
           </a:xfrm>
           <a:prstGeom prst="roundRect">
             <a:avLst/>
@@ -8001,8 +8001,8 @@
         </p:nvSpPr>
         <p:spPr>
           <a:xfrm>
-            <a:off x="2369579" y="3385392"/>
-            <a:ext cx="1625520" cy="255233"/>
+            <a:off x="2369579" y="3124134"/>
+            <a:ext cx="1625520" cy="370180"/>
           </a:xfrm>
           <a:prstGeom prst="roundRect">
             <a:avLst/>

--- a/help/img/画像作成用.pptx
+++ b/help/img/画像作成用.pptx
@@ -199,7 +199,7 @@
           <a:p>
             <a:fld id="{685A68BC-8F81-4B0D-92FD-71EB7813FF7D}" type="datetimeFigureOut">
               <a:rPr kumimoji="1" lang="ja-JP" altLang="en-US" smtClean="0"/>
-              <a:t>2025/8/12</a:t>
+              <a:t>2025/9/4</a:t>
             </a:fld>
             <a:endParaRPr kumimoji="1" lang="ja-JP" altLang="en-US"/>
           </a:p>
@@ -729,7 +729,7 @@
           <a:p>
             <a:fld id="{267EFEEF-E18A-4475-85ED-60EC09292CB4}" type="datetimeFigureOut">
               <a:rPr kumimoji="1" lang="ja-JP" altLang="en-US" smtClean="0"/>
-              <a:t>2025/8/12</a:t>
+              <a:t>2025/9/4</a:t>
             </a:fld>
             <a:endParaRPr kumimoji="1" lang="ja-JP" altLang="en-US"/>
           </a:p>
@@ -959,7 +959,7 @@
           <a:p>
             <a:fld id="{267EFEEF-E18A-4475-85ED-60EC09292CB4}" type="datetimeFigureOut">
               <a:rPr kumimoji="1" lang="ja-JP" altLang="en-US" smtClean="0"/>
-              <a:t>2025/8/12</a:t>
+              <a:t>2025/9/4</a:t>
             </a:fld>
             <a:endParaRPr kumimoji="1" lang="ja-JP" altLang="en-US"/>
           </a:p>
@@ -1199,7 +1199,7 @@
           <a:p>
             <a:fld id="{267EFEEF-E18A-4475-85ED-60EC09292CB4}" type="datetimeFigureOut">
               <a:rPr kumimoji="1" lang="ja-JP" altLang="en-US" smtClean="0"/>
-              <a:t>2025/8/12</a:t>
+              <a:t>2025/9/4</a:t>
             </a:fld>
             <a:endParaRPr kumimoji="1" lang="ja-JP" altLang="en-US"/>
           </a:p>
@@ -1429,7 +1429,7 @@
           <a:p>
             <a:fld id="{267EFEEF-E18A-4475-85ED-60EC09292CB4}" type="datetimeFigureOut">
               <a:rPr kumimoji="1" lang="ja-JP" altLang="en-US" smtClean="0"/>
-              <a:t>2025/8/12</a:t>
+              <a:t>2025/9/4</a:t>
             </a:fld>
             <a:endParaRPr kumimoji="1" lang="ja-JP" altLang="en-US"/>
           </a:p>
@@ -1704,7 +1704,7 @@
           <a:p>
             <a:fld id="{267EFEEF-E18A-4475-85ED-60EC09292CB4}" type="datetimeFigureOut">
               <a:rPr kumimoji="1" lang="ja-JP" altLang="en-US" smtClean="0"/>
-              <a:t>2025/8/12</a:t>
+              <a:t>2025/9/4</a:t>
             </a:fld>
             <a:endParaRPr kumimoji="1" lang="ja-JP" altLang="en-US"/>
           </a:p>
@@ -2033,7 +2033,7 @@
           <a:p>
             <a:fld id="{267EFEEF-E18A-4475-85ED-60EC09292CB4}" type="datetimeFigureOut">
               <a:rPr kumimoji="1" lang="ja-JP" altLang="en-US" smtClean="0"/>
-              <a:t>2025/8/12</a:t>
+              <a:t>2025/9/4</a:t>
             </a:fld>
             <a:endParaRPr kumimoji="1" lang="ja-JP" altLang="en-US"/>
           </a:p>
@@ -2509,7 +2509,7 @@
           <a:p>
             <a:fld id="{267EFEEF-E18A-4475-85ED-60EC09292CB4}" type="datetimeFigureOut">
               <a:rPr kumimoji="1" lang="ja-JP" altLang="en-US" smtClean="0"/>
-              <a:t>2025/8/12</a:t>
+              <a:t>2025/9/4</a:t>
             </a:fld>
             <a:endParaRPr kumimoji="1" lang="ja-JP" altLang="en-US"/>
           </a:p>
@@ -2650,7 +2650,7 @@
           <a:p>
             <a:fld id="{267EFEEF-E18A-4475-85ED-60EC09292CB4}" type="datetimeFigureOut">
               <a:rPr kumimoji="1" lang="ja-JP" altLang="en-US" smtClean="0"/>
-              <a:t>2025/8/12</a:t>
+              <a:t>2025/9/4</a:t>
             </a:fld>
             <a:endParaRPr kumimoji="1" lang="ja-JP" altLang="en-US"/>
           </a:p>
@@ -2763,7 +2763,7 @@
           <a:p>
             <a:fld id="{267EFEEF-E18A-4475-85ED-60EC09292CB4}" type="datetimeFigureOut">
               <a:rPr kumimoji="1" lang="ja-JP" altLang="en-US" smtClean="0"/>
-              <a:t>2025/8/12</a:t>
+              <a:t>2025/9/4</a:t>
             </a:fld>
             <a:endParaRPr kumimoji="1" lang="ja-JP" altLang="en-US"/>
           </a:p>
@@ -3106,7 +3106,7 @@
           <a:p>
             <a:fld id="{267EFEEF-E18A-4475-85ED-60EC09292CB4}" type="datetimeFigureOut">
               <a:rPr kumimoji="1" lang="ja-JP" altLang="en-US" smtClean="0"/>
-              <a:t>2025/8/12</a:t>
+              <a:t>2025/9/4</a:t>
             </a:fld>
             <a:endParaRPr kumimoji="1" lang="ja-JP" altLang="en-US"/>
           </a:p>
@@ -3394,7 +3394,7 @@
           <a:p>
             <a:fld id="{267EFEEF-E18A-4475-85ED-60EC09292CB4}" type="datetimeFigureOut">
               <a:rPr kumimoji="1" lang="ja-JP" altLang="en-US" smtClean="0"/>
-              <a:t>2025/8/12</a:t>
+              <a:t>2025/9/4</a:t>
             </a:fld>
             <a:endParaRPr kumimoji="1" lang="ja-JP" altLang="en-US"/>
           </a:p>
@@ -3667,7 +3667,7 @@
           <a:p>
             <a:fld id="{267EFEEF-E18A-4475-85ED-60EC09292CB4}" type="datetimeFigureOut">
               <a:rPr kumimoji="1" lang="ja-JP" altLang="en-US" smtClean="0"/>
-              <a:t>2025/8/12</a:t>
+              <a:t>2025/9/4</a:t>
             </a:fld>
             <a:endParaRPr kumimoji="1" lang="ja-JP" altLang="en-US"/>
           </a:p>
@@ -11080,72 +11080,6 @@
                 </a:solidFill>
               </a:rPr>
               <a:t>Batch</a:t>
-            </a:r>
-            <a:endParaRPr kumimoji="1" lang="ja-JP" altLang="en-US" dirty="0">
-              <a:solidFill>
-                <a:schemeClr val="tx1"/>
-              </a:solidFill>
-            </a:endParaRPr>
-          </a:p>
-        </p:txBody>
-      </p:sp>
-      <p:sp>
-        <p:nvSpPr>
-          <p:cNvPr id="37" name="四角形: 角を丸くする 36">
-            <a:extLst>
-              <a:ext uri="{FF2B5EF4-FFF2-40B4-BE49-F238E27FC236}">
-                <a16:creationId xmlns:a16="http://schemas.microsoft.com/office/drawing/2014/main" id="{623CAF16-EF4D-44CF-B4F4-3A2C82555877}"/>
-              </a:ext>
-            </a:extLst>
-          </p:cNvPr>
-          <p:cNvSpPr/>
-          <p:nvPr/>
-        </p:nvSpPr>
-        <p:spPr>
-          <a:xfrm>
-            <a:off x="10609918" y="661419"/>
-            <a:ext cx="1244387" cy="843280"/>
-          </a:xfrm>
-          <a:prstGeom prst="roundRect">
-            <a:avLst/>
-          </a:prstGeom>
-          <a:solidFill>
-            <a:schemeClr val="bg1">
-              <a:lumMod val="95000"/>
-            </a:schemeClr>
-          </a:solidFill>
-          <a:ln>
-            <a:noFill/>
-          </a:ln>
-        </p:spPr>
-        <p:style>
-          <a:lnRef idx="2">
-            <a:schemeClr val="accent1">
-              <a:shade val="50000"/>
-            </a:schemeClr>
-          </a:lnRef>
-          <a:fillRef idx="1">
-            <a:schemeClr val="accent1"/>
-          </a:fillRef>
-          <a:effectRef idx="0">
-            <a:schemeClr val="accent1"/>
-          </a:effectRef>
-          <a:fontRef idx="minor">
-            <a:schemeClr val="lt1"/>
-          </a:fontRef>
-        </p:style>
-        <p:txBody>
-          <a:bodyPr rtlCol="0" anchor="ctr"/>
-          <a:lstStyle/>
-          <a:p>
-            <a:pPr algn="ctr"/>
-            <a:r>
-              <a:rPr lang="en-US" altLang="ja-JP" dirty="0">
-                <a:solidFill>
-                  <a:schemeClr val="tx1"/>
-                </a:solidFill>
-              </a:rPr>
-              <a:t>Threads</a:t>
             </a:r>
             <a:endParaRPr kumimoji="1" lang="ja-JP" altLang="en-US" dirty="0">
               <a:solidFill>
